--- a/IN/VeiligNetwerken/Veilig op het net.pptx
+++ b/IN/VeiligNetwerken/Veilig op het net.pptx
@@ -5,14 +5,15 @@
     <p:sldMasterId id="2147483648" r:id="rId1"/>
   </p:sldMasterIdLst>
   <p:notesMasterIdLst>
-    <p:notesMasterId r:id="rId7"/>
+    <p:notesMasterId r:id="rId8"/>
   </p:notesMasterIdLst>
   <p:sldIdLst>
     <p:sldId id="256" r:id="rId2"/>
-    <p:sldId id="257" r:id="rId3"/>
-    <p:sldId id="258" r:id="rId4"/>
-    <p:sldId id="259" r:id="rId5"/>
-    <p:sldId id="260" r:id="rId6"/>
+    <p:sldId id="262" r:id="rId3"/>
+    <p:sldId id="257" r:id="rId4"/>
+    <p:sldId id="258" r:id="rId5"/>
+    <p:sldId id="259" r:id="rId6"/>
+    <p:sldId id="260" r:id="rId7"/>
   </p:sldIdLst>
   <p:sldSz cx="12192000" cy="6858000"/>
   <p:notesSz cx="6858000" cy="9144000"/>
@@ -111,6 +112,11 @@
       </a:defRPr>
     </a:lvl9pPr>
   </p:defaultTextStyle>
+  <p:extLst>
+    <p:ext uri="{EFAFB233-063F-42B5-8137-9DF3F51BA10A}">
+      <p15:sldGuideLst xmlns:p15="http://schemas.microsoft.com/office/powerpoint/2012/main"/>
+    </p:ext>
+  </p:extLst>
 </p:presentation>
 </file>
 
@@ -196,7 +202,7 @@
           <a:p>
             <a:fld id="{8D5BFDA6-4FEC-4D14-9C12-BCBDF104EC7C}" type="datetimeFigureOut">
               <a:rPr lang="en-GB" smtClean="0"/>
-              <a:t>04/04/2016</a:t>
+              <a:t>19/04/2016</a:t>
             </a:fld>
             <a:endParaRPr lang="en-GB"/>
           </a:p>
@@ -355,7 +361,7 @@
           <a:p>
             <a:fld id="{768670EE-9464-4B42-97CF-BBF8C43E9041}" type="slidenum">
               <a:rPr lang="en-GB" smtClean="0"/>
-              <a:t>‹#›</a:t>
+              <a:t>‹nr.›</a:t>
             </a:fld>
             <a:endParaRPr lang="en-GB"/>
           </a:p>
@@ -529,7 +535,7 @@
           <a:p>
             <a:fld id="{DA345250-47B3-456E-A6A2-C75FF166058E}" type="slidenum">
               <a:rPr lang="en-GB" smtClean="0"/>
-              <a:t>4</a:t>
+              <a:t>5</a:t>
             </a:fld>
             <a:endParaRPr lang="en-GB"/>
           </a:p>
@@ -679,7 +685,7 @@
           <a:p>
             <a:fld id="{77BF802C-F689-44C9-8B88-4FAF629A9CA0}" type="datetimeFigureOut">
               <a:rPr lang="en-GB" smtClean="0"/>
-              <a:t>04/04/2016</a:t>
+              <a:t>19/04/2016</a:t>
             </a:fld>
             <a:endParaRPr lang="en-GB"/>
           </a:p>
@@ -721,7 +727,7 @@
           <a:p>
             <a:fld id="{B3CB043D-0B10-4572-9EB9-A7DAE7525281}" type="slidenum">
               <a:rPr lang="en-GB" smtClean="0"/>
-              <a:t>‹#›</a:t>
+              <a:t>‹nr.›</a:t>
             </a:fld>
             <a:endParaRPr lang="en-GB"/>
           </a:p>
@@ -849,7 +855,7 @@
           <a:p>
             <a:fld id="{77BF802C-F689-44C9-8B88-4FAF629A9CA0}" type="datetimeFigureOut">
               <a:rPr lang="en-GB" smtClean="0"/>
-              <a:t>04/04/2016</a:t>
+              <a:t>19/04/2016</a:t>
             </a:fld>
             <a:endParaRPr lang="en-GB"/>
           </a:p>
@@ -891,7 +897,7 @@
           <a:p>
             <a:fld id="{B3CB043D-0B10-4572-9EB9-A7DAE7525281}" type="slidenum">
               <a:rPr lang="en-GB" smtClean="0"/>
-              <a:t>‹#›</a:t>
+              <a:t>‹nr.›</a:t>
             </a:fld>
             <a:endParaRPr lang="en-GB"/>
           </a:p>
@@ -1029,7 +1035,7 @@
           <a:p>
             <a:fld id="{77BF802C-F689-44C9-8B88-4FAF629A9CA0}" type="datetimeFigureOut">
               <a:rPr lang="en-GB" smtClean="0"/>
-              <a:t>04/04/2016</a:t>
+              <a:t>19/04/2016</a:t>
             </a:fld>
             <a:endParaRPr lang="en-GB"/>
           </a:p>
@@ -1071,7 +1077,7 @@
           <a:p>
             <a:fld id="{B3CB043D-0B10-4572-9EB9-A7DAE7525281}" type="slidenum">
               <a:rPr lang="en-GB" smtClean="0"/>
-              <a:t>‹#›</a:t>
+              <a:t>‹nr.›</a:t>
             </a:fld>
             <a:endParaRPr lang="en-GB"/>
           </a:p>
@@ -1199,7 +1205,7 @@
           <a:p>
             <a:fld id="{77BF802C-F689-44C9-8B88-4FAF629A9CA0}" type="datetimeFigureOut">
               <a:rPr lang="en-GB" smtClean="0"/>
-              <a:t>04/04/2016</a:t>
+              <a:t>19/04/2016</a:t>
             </a:fld>
             <a:endParaRPr lang="en-GB"/>
           </a:p>
@@ -1241,7 +1247,7 @@
           <a:p>
             <a:fld id="{B3CB043D-0B10-4572-9EB9-A7DAE7525281}" type="slidenum">
               <a:rPr lang="en-GB" smtClean="0"/>
-              <a:t>‹#›</a:t>
+              <a:t>‹nr.›</a:t>
             </a:fld>
             <a:endParaRPr lang="en-GB"/>
           </a:p>
@@ -1445,7 +1451,7 @@
           <a:p>
             <a:fld id="{77BF802C-F689-44C9-8B88-4FAF629A9CA0}" type="datetimeFigureOut">
               <a:rPr lang="en-GB" smtClean="0"/>
-              <a:t>04/04/2016</a:t>
+              <a:t>19/04/2016</a:t>
             </a:fld>
             <a:endParaRPr lang="en-GB"/>
           </a:p>
@@ -1487,7 +1493,7 @@
           <a:p>
             <a:fld id="{B3CB043D-0B10-4572-9EB9-A7DAE7525281}" type="slidenum">
               <a:rPr lang="en-GB" smtClean="0"/>
-              <a:t>‹#›</a:t>
+              <a:t>‹nr.›</a:t>
             </a:fld>
             <a:endParaRPr lang="en-GB"/>
           </a:p>
@@ -1677,7 +1683,7 @@
           <a:p>
             <a:fld id="{77BF802C-F689-44C9-8B88-4FAF629A9CA0}" type="datetimeFigureOut">
               <a:rPr lang="en-GB" smtClean="0"/>
-              <a:t>04/04/2016</a:t>
+              <a:t>19/04/2016</a:t>
             </a:fld>
             <a:endParaRPr lang="en-GB"/>
           </a:p>
@@ -1719,7 +1725,7 @@
           <a:p>
             <a:fld id="{B3CB043D-0B10-4572-9EB9-A7DAE7525281}" type="slidenum">
               <a:rPr lang="en-GB" smtClean="0"/>
-              <a:t>‹#›</a:t>
+              <a:t>‹nr.›</a:t>
             </a:fld>
             <a:endParaRPr lang="en-GB"/>
           </a:p>
@@ -2044,7 +2050,7 @@
           <a:p>
             <a:fld id="{77BF802C-F689-44C9-8B88-4FAF629A9CA0}" type="datetimeFigureOut">
               <a:rPr lang="en-GB" smtClean="0"/>
-              <a:t>04/04/2016</a:t>
+              <a:t>19/04/2016</a:t>
             </a:fld>
             <a:endParaRPr lang="en-GB"/>
           </a:p>
@@ -2086,7 +2092,7 @@
           <a:p>
             <a:fld id="{B3CB043D-0B10-4572-9EB9-A7DAE7525281}" type="slidenum">
               <a:rPr lang="en-GB" smtClean="0"/>
-              <a:t>‹#›</a:t>
+              <a:t>‹nr.›</a:t>
             </a:fld>
             <a:endParaRPr lang="en-GB"/>
           </a:p>
@@ -2162,7 +2168,7 @@
           <a:p>
             <a:fld id="{77BF802C-F689-44C9-8B88-4FAF629A9CA0}" type="datetimeFigureOut">
               <a:rPr lang="en-GB" smtClean="0"/>
-              <a:t>04/04/2016</a:t>
+              <a:t>19/04/2016</a:t>
             </a:fld>
             <a:endParaRPr lang="en-GB"/>
           </a:p>
@@ -2204,7 +2210,7 @@
           <a:p>
             <a:fld id="{B3CB043D-0B10-4572-9EB9-A7DAE7525281}" type="slidenum">
               <a:rPr lang="en-GB" smtClean="0"/>
-              <a:t>‹#›</a:t>
+              <a:t>‹nr.›</a:t>
             </a:fld>
             <a:endParaRPr lang="en-GB"/>
           </a:p>
@@ -2257,7 +2263,7 @@
           <a:p>
             <a:fld id="{77BF802C-F689-44C9-8B88-4FAF629A9CA0}" type="datetimeFigureOut">
               <a:rPr lang="en-GB" smtClean="0"/>
-              <a:t>04/04/2016</a:t>
+              <a:t>19/04/2016</a:t>
             </a:fld>
             <a:endParaRPr lang="en-GB"/>
           </a:p>
@@ -2299,7 +2305,7 @@
           <a:p>
             <a:fld id="{B3CB043D-0B10-4572-9EB9-A7DAE7525281}" type="slidenum">
               <a:rPr lang="en-GB" smtClean="0"/>
-              <a:t>‹#›</a:t>
+              <a:t>‹nr.›</a:t>
             </a:fld>
             <a:endParaRPr lang="en-GB"/>
           </a:p>
@@ -2534,7 +2540,7 @@
           <a:p>
             <a:fld id="{77BF802C-F689-44C9-8B88-4FAF629A9CA0}" type="datetimeFigureOut">
               <a:rPr lang="en-GB" smtClean="0"/>
-              <a:t>04/04/2016</a:t>
+              <a:t>19/04/2016</a:t>
             </a:fld>
             <a:endParaRPr lang="en-GB"/>
           </a:p>
@@ -2576,7 +2582,7 @@
           <a:p>
             <a:fld id="{B3CB043D-0B10-4572-9EB9-A7DAE7525281}" type="slidenum">
               <a:rPr lang="en-GB" smtClean="0"/>
-              <a:t>‹#›</a:t>
+              <a:t>‹nr.›</a:t>
             </a:fld>
             <a:endParaRPr lang="en-GB"/>
           </a:p>
@@ -2787,7 +2793,7 @@
           <a:p>
             <a:fld id="{77BF802C-F689-44C9-8B88-4FAF629A9CA0}" type="datetimeFigureOut">
               <a:rPr lang="en-GB" smtClean="0"/>
-              <a:t>04/04/2016</a:t>
+              <a:t>19/04/2016</a:t>
             </a:fld>
             <a:endParaRPr lang="en-GB"/>
           </a:p>
@@ -2829,7 +2835,7 @@
           <a:p>
             <a:fld id="{B3CB043D-0B10-4572-9EB9-A7DAE7525281}" type="slidenum">
               <a:rPr lang="en-GB" smtClean="0"/>
-              <a:t>‹#›</a:t>
+              <a:t>‹nr.›</a:t>
             </a:fld>
             <a:endParaRPr lang="en-GB"/>
           </a:p>
@@ -3000,7 +3006,7 @@
           <a:p>
             <a:fld id="{77BF802C-F689-44C9-8B88-4FAF629A9CA0}" type="datetimeFigureOut">
               <a:rPr lang="en-GB" smtClean="0"/>
-              <a:t>04/04/2016</a:t>
+              <a:t>19/04/2016</a:t>
             </a:fld>
             <a:endParaRPr lang="en-GB"/>
           </a:p>
@@ -3078,7 +3084,7 @@
           <a:p>
             <a:fld id="{B3CB043D-0B10-4572-9EB9-A7DAE7525281}" type="slidenum">
               <a:rPr lang="en-GB" smtClean="0"/>
-              <a:t>‹#›</a:t>
+              <a:t>‹nr.›</a:t>
             </a:fld>
             <a:endParaRPr lang="en-GB"/>
           </a:p>
@@ -3421,16 +3427,58 @@
           <a:lstStyle/>
           <a:p>
             <a:r>
+              <a:rPr lang="en-GB" dirty="0" smtClean="0">
+                <a:latin typeface="Century Gothic" panose="020B0502020202020204" pitchFamily="34" charset="0"/>
+              </a:rPr>
+              <a:t>Hoe </a:t>
+            </a:r>
+            <a:r>
               <a:rPr lang="en-GB" dirty="0" err="1" smtClean="0">
                 <a:latin typeface="Century Gothic" panose="020B0502020202020204" pitchFamily="34" charset="0"/>
               </a:rPr>
-              <a:t>Veilig</a:t>
+              <a:t>kan</a:t>
             </a:r>
             <a:r>
               <a:rPr lang="en-GB" dirty="0" smtClean="0">
                 <a:latin typeface="Century Gothic" panose="020B0502020202020204" pitchFamily="34" charset="0"/>
               </a:rPr>
-              <a:t> op het net</a:t>
+              <a:t> </a:t>
+            </a:r>
+            <a:r>
+              <a:rPr lang="en-GB" dirty="0" err="1" smtClean="0">
+                <a:latin typeface="Century Gothic" panose="020B0502020202020204" pitchFamily="34" charset="0"/>
+              </a:rPr>
+              <a:t>ik</a:t>
+            </a:r>
+            <a:r>
+              <a:rPr lang="en-GB" dirty="0" smtClean="0">
+                <a:latin typeface="Century Gothic" panose="020B0502020202020204" pitchFamily="34" charset="0"/>
+              </a:rPr>
+              <a:t> </a:t>
+            </a:r>
+            <a:r>
+              <a:rPr lang="en-GB" dirty="0" err="1" smtClean="0">
+                <a:latin typeface="Century Gothic" panose="020B0502020202020204" pitchFamily="34" charset="0"/>
+              </a:rPr>
+              <a:t>mezelf</a:t>
+            </a:r>
+            <a:r>
+              <a:rPr lang="en-GB" dirty="0" smtClean="0">
+                <a:latin typeface="Century Gothic" panose="020B0502020202020204" pitchFamily="34" charset="0"/>
+              </a:rPr>
+              <a:t> </a:t>
+            </a:r>
+            <a:r>
+              <a:rPr lang="en-GB" dirty="0" err="1" smtClean="0">
+                <a:latin typeface="Century Gothic" panose="020B0502020202020204" pitchFamily="34" charset="0"/>
+              </a:rPr>
+              <a:t>beschermen</a:t>
+            </a:r>
+            <a:r>
+              <a:rPr lang="en-GB" dirty="0" smtClean="0">
+                <a:latin typeface="Century Gothic" panose="020B0502020202020204" pitchFamily="34" charset="0"/>
+              </a:rPr>
+              <a:t> op het net?</a:t>
             </a:r>
             <a:endParaRPr lang="en-GB" dirty="0">
               <a:latin typeface="Century Gothic" panose="020B0502020202020204" pitchFamily="34" charset="0"/>
@@ -3622,6 +3670,566 @@
       </p:grpSpPr>
       <p:sp>
         <p:nvSpPr>
+          <p:cNvPr id="2" name="Titel 1"/>
+          <p:cNvSpPr>
+            <a:spLocks noGrp="1"/>
+          </p:cNvSpPr>
+          <p:nvPr>
+            <p:ph type="title"/>
+          </p:nvPr>
+        </p:nvSpPr>
+        <p:spPr/>
+        <p:txBody>
+          <a:bodyPr/>
+          <a:lstStyle/>
+          <a:p>
+            <a:r>
+              <a:rPr lang="nl-BE" dirty="0" smtClean="0">
+                <a:latin typeface="Century Gothic" panose="020B0502020202020204" pitchFamily="34" charset="0"/>
+              </a:rPr>
+              <a:t>Facebook en eigendom</a:t>
+            </a:r>
+            <a:endParaRPr lang="nl-BE" dirty="0">
+              <a:latin typeface="Century Gothic" panose="020B0502020202020204" pitchFamily="34" charset="0"/>
+            </a:endParaRPr>
+          </a:p>
+        </p:txBody>
+      </p:sp>
+      <p:sp>
+        <p:nvSpPr>
+          <p:cNvPr id="4" name="Rectangle 1"/>
+          <p:cNvSpPr>
+            <a:spLocks noGrp="1" noChangeArrowheads="1"/>
+          </p:cNvSpPr>
+          <p:nvPr>
+            <p:ph idx="1"/>
+          </p:nvPr>
+        </p:nvSpPr>
+        <p:spPr bwMode="auto">
+          <a:xfrm>
+            <a:off x="366707" y="1282606"/>
+            <a:ext cx="11458586" cy="4401205"/>
+          </a:xfrm>
+          <a:prstGeom prst="rect">
+            <a:avLst/>
+          </a:prstGeom>
+          <a:noFill/>
+          <a:ln>
+            <a:noFill/>
+          </a:ln>
+          <a:effectLst/>
+          <a:extLst>
+            <a:ext uri="{909E8E84-426E-40DD-AFC4-6F175D3DCCD1}">
+              <a14:hiddenFill xmlns:a14="http://schemas.microsoft.com/office/drawing/2010/main">
+                <a:solidFill>
+                  <a:schemeClr val="accent1"/>
+                </a:solidFill>
+              </a14:hiddenFill>
+            </a:ext>
+            <a:ext uri="{91240B29-F687-4F45-9708-019B960494DF}">
+              <a14:hiddenLine xmlns:a14="http://schemas.microsoft.com/office/drawing/2010/main" w="9525">
+                <a:solidFill>
+                  <a:schemeClr val="tx1"/>
+                </a:solidFill>
+                <a:miter lim="800000"/>
+                <a:headEnd/>
+                <a:tailEnd/>
+              </a14:hiddenLine>
+            </a:ext>
+            <a:ext uri="{AF507438-7753-43E0-B8FC-AC1667EBCBE1}">
+              <a14:hiddenEffects xmlns:a14="http://schemas.microsoft.com/office/drawing/2010/main">
+                <a:effectLst>
+                  <a:outerShdw dist="35921" dir="2700000" algn="ctr" rotWithShape="0">
+                    <a:schemeClr val="bg2"/>
+                  </a:outerShdw>
+                </a:effectLst>
+              </a14:hiddenEffects>
+            </a:ext>
+          </a:extLst>
+        </p:spPr>
+        <p:txBody>
+          <a:bodyPr vert="horz" wrap="none" lIns="91440" tIns="45720" rIns="91440" bIns="45720" numCol="1" anchor="t" anchorCtr="0" compatLnSpc="1">
+            <a:prstTxWarp prst="textNoShape">
+              <a:avLst/>
+            </a:prstTxWarp>
+            <a:spAutoFit/>
+          </a:bodyPr>
+          <a:lstStyle/>
+          <a:p>
+            <a:pPr marL="0" marR="0" lvl="0" indent="0" algn="l" defTabSz="914400" rtl="0" eaLnBrk="0" fontAlgn="base" latinLnBrk="0" hangingPunct="0">
+              <a:lnSpc>
+                <a:spcPct val="100000"/>
+              </a:lnSpc>
+              <a:spcBef>
+                <a:spcPct val="0"/>
+              </a:spcBef>
+              <a:spcAft>
+                <a:spcPct val="0"/>
+              </a:spcAft>
+              <a:buClrTx/>
+              <a:buSzTx/>
+              <a:buFontTx/>
+              <a:buNone/>
+              <a:tabLst/>
+            </a:pPr>
+            <a:endParaRPr kumimoji="0" lang="nl-BE" altLang="nl-BE" b="0" i="0" u="none" strike="noStrike" cap="none" normalizeH="0" baseline="0" dirty="0" smtClean="0">
+              <a:ln>
+                <a:noFill/>
+              </a:ln>
+              <a:solidFill>
+                <a:schemeClr val="tx1"/>
+              </a:solidFill>
+              <a:effectLst/>
+              <a:latin typeface="Century Gothic" panose="020B0502020202020204" pitchFamily="34" charset="0"/>
+            </a:endParaRPr>
+          </a:p>
+          <a:p>
+            <a:pPr eaLnBrk="0" fontAlgn="base" hangingPunct="0">
+              <a:lnSpc>
+                <a:spcPct val="100000"/>
+              </a:lnSpc>
+              <a:spcBef>
+                <a:spcPct val="0"/>
+              </a:spcBef>
+              <a:spcAft>
+                <a:spcPct val="0"/>
+              </a:spcAft>
+            </a:pPr>
+            <a:r>
+              <a:rPr kumimoji="0" lang="nl-BE" altLang="nl-BE" b="0" i="0" u="none" strike="noStrike" cap="none" normalizeH="0" baseline="0" dirty="0" smtClean="0">
+                <a:ln>
+                  <a:noFill/>
+                </a:ln>
+                <a:solidFill>
+                  <a:schemeClr val="tx1"/>
+                </a:solidFill>
+                <a:effectLst/>
+                <a:latin typeface="Century Gothic" panose="020B0502020202020204" pitchFamily="34" charset="0"/>
+              </a:rPr>
+              <a:t>Voor inhoud waarvoor intellectuele-eigendomsrechten gelden,</a:t>
+            </a:r>
+          </a:p>
+          <a:p>
+            <a:pPr marL="0" indent="0" eaLnBrk="0" fontAlgn="base" hangingPunct="0">
+              <a:lnSpc>
+                <a:spcPct val="100000"/>
+              </a:lnSpc>
+              <a:spcBef>
+                <a:spcPct val="0"/>
+              </a:spcBef>
+              <a:spcAft>
+                <a:spcPct val="0"/>
+              </a:spcAft>
+              <a:buNone/>
+            </a:pPr>
+            <a:r>
+              <a:rPr kumimoji="0" lang="nl-BE" altLang="nl-BE" b="0" i="0" u="none" strike="noStrike" cap="none" normalizeH="0" baseline="0" dirty="0" smtClean="0">
+                <a:ln>
+                  <a:noFill/>
+                </a:ln>
+                <a:solidFill>
+                  <a:schemeClr val="tx1"/>
+                </a:solidFill>
+                <a:effectLst/>
+                <a:latin typeface="Century Gothic" panose="020B0502020202020204" pitchFamily="34" charset="0"/>
+              </a:rPr>
+              <a:t>zoals </a:t>
+            </a:r>
+            <a:r>
+              <a:rPr kumimoji="0" lang="nl-BE" altLang="nl-BE" b="1" i="0" u="none" strike="noStrike" cap="none" normalizeH="0" baseline="0" dirty="0" smtClean="0">
+                <a:ln>
+                  <a:noFill/>
+                </a:ln>
+                <a:solidFill>
+                  <a:schemeClr val="tx1"/>
+                </a:solidFill>
+                <a:effectLst/>
+                <a:latin typeface="Century Gothic" panose="020B0502020202020204" pitchFamily="34" charset="0"/>
+              </a:rPr>
+              <a:t>foto's en video's </a:t>
+            </a:r>
+            <a:r>
+              <a:rPr kumimoji="0" lang="nl-BE" altLang="nl-BE" b="0" i="0" u="none" strike="noStrike" cap="none" normalizeH="0" baseline="0" dirty="0" smtClean="0">
+                <a:ln>
+                  <a:noFill/>
+                </a:ln>
+                <a:solidFill>
+                  <a:schemeClr val="tx1"/>
+                </a:solidFill>
+                <a:effectLst/>
+                <a:latin typeface="Century Gothic" panose="020B0502020202020204" pitchFamily="34" charset="0"/>
+              </a:rPr>
+              <a:t>(IE-inhoud), geef je ons specifiek </a:t>
+            </a:r>
+            <a:endParaRPr lang="nl-BE" altLang="nl-BE" dirty="0">
+              <a:latin typeface="Century Gothic" panose="020B0502020202020204" pitchFamily="34" charset="0"/>
+            </a:endParaRPr>
+          </a:p>
+          <a:p>
+            <a:pPr marL="0" indent="0" eaLnBrk="0" fontAlgn="base" hangingPunct="0">
+              <a:lnSpc>
+                <a:spcPct val="100000"/>
+              </a:lnSpc>
+              <a:spcBef>
+                <a:spcPct val="0"/>
+              </a:spcBef>
+              <a:spcAft>
+                <a:spcPct val="0"/>
+              </a:spcAft>
+              <a:buNone/>
+            </a:pPr>
+            <a:r>
+              <a:rPr kumimoji="0" lang="nl-BE" altLang="nl-BE" b="0" i="0" u="none" strike="noStrike" cap="none" normalizeH="0" baseline="0" dirty="0" smtClean="0">
+                <a:ln>
+                  <a:noFill/>
+                </a:ln>
+                <a:solidFill>
+                  <a:schemeClr val="tx1"/>
+                </a:solidFill>
+                <a:effectLst/>
+                <a:latin typeface="Century Gothic" panose="020B0502020202020204" pitchFamily="34" charset="0"/>
+              </a:rPr>
+              <a:t>volgende toestemming […] een niet-exclusieve, overdraagbare,</a:t>
+            </a:r>
+          </a:p>
+          <a:p>
+            <a:pPr marL="0" marR="0" lvl="0" indent="0" algn="l" defTabSz="914400" rtl="0" eaLnBrk="0" fontAlgn="base" latinLnBrk="0" hangingPunct="0">
+              <a:lnSpc>
+                <a:spcPct val="100000"/>
+              </a:lnSpc>
+              <a:spcBef>
+                <a:spcPct val="0"/>
+              </a:spcBef>
+              <a:spcAft>
+                <a:spcPct val="0"/>
+              </a:spcAft>
+              <a:buClrTx/>
+              <a:buSzTx/>
+              <a:buNone/>
+              <a:tabLst/>
+            </a:pPr>
+            <a:r>
+              <a:rPr kumimoji="0" lang="nl-BE" altLang="nl-BE" b="1" i="0" u="none" strike="noStrike" cap="none" normalizeH="0" baseline="0" dirty="0" err="1" smtClean="0">
+                <a:ln>
+                  <a:noFill/>
+                </a:ln>
+                <a:solidFill>
+                  <a:schemeClr val="tx1"/>
+                </a:solidFill>
+                <a:effectLst/>
+                <a:latin typeface="Century Gothic" panose="020B0502020202020204" pitchFamily="34" charset="0"/>
+              </a:rPr>
+              <a:t>sublicentieerbare</a:t>
+            </a:r>
+            <a:r>
+              <a:rPr kumimoji="0" lang="nl-BE" altLang="nl-BE" b="0" i="0" u="none" strike="noStrike" cap="none" normalizeH="0" baseline="0" dirty="0" smtClean="0">
+                <a:ln>
+                  <a:noFill/>
+                </a:ln>
+                <a:solidFill>
+                  <a:schemeClr val="tx1"/>
+                </a:solidFill>
+                <a:effectLst/>
+                <a:latin typeface="Century Gothic" panose="020B0502020202020204" pitchFamily="34" charset="0"/>
+              </a:rPr>
+              <a:t>, royaltyvrije en </a:t>
+            </a:r>
+            <a:r>
+              <a:rPr kumimoji="0" lang="nl-BE" altLang="nl-BE" b="1" i="0" u="none" strike="noStrike" cap="none" normalizeH="0" baseline="0" dirty="0" smtClean="0">
+                <a:ln>
+                  <a:noFill/>
+                </a:ln>
+                <a:solidFill>
+                  <a:schemeClr val="tx1"/>
+                </a:solidFill>
+                <a:effectLst/>
+                <a:latin typeface="Century Gothic" panose="020B0502020202020204" pitchFamily="34" charset="0"/>
+              </a:rPr>
+              <a:t>wereldwijde licentie </a:t>
+            </a:r>
+          </a:p>
+          <a:p>
+            <a:pPr marL="0" marR="0" lvl="0" indent="0" algn="l" defTabSz="914400" rtl="0" eaLnBrk="0" fontAlgn="base" latinLnBrk="0" hangingPunct="0">
+              <a:lnSpc>
+                <a:spcPct val="100000"/>
+              </a:lnSpc>
+              <a:spcBef>
+                <a:spcPct val="0"/>
+              </a:spcBef>
+              <a:spcAft>
+                <a:spcPct val="0"/>
+              </a:spcAft>
+              <a:buClrTx/>
+              <a:buSzTx/>
+              <a:buNone/>
+              <a:tabLst/>
+            </a:pPr>
+            <a:r>
+              <a:rPr kumimoji="0" lang="nl-BE" altLang="nl-BE" b="1" i="0" u="none" strike="noStrike" cap="none" normalizeH="0" baseline="0" dirty="0" smtClean="0">
+                <a:ln>
+                  <a:noFill/>
+                </a:ln>
+                <a:solidFill>
+                  <a:schemeClr val="tx1"/>
+                </a:solidFill>
+                <a:effectLst/>
+                <a:latin typeface="Century Gothic" panose="020B0502020202020204" pitchFamily="34" charset="0"/>
+              </a:rPr>
+              <a:t>voor het gebruik </a:t>
+            </a:r>
+            <a:r>
+              <a:rPr kumimoji="0" lang="nl-BE" altLang="nl-BE" b="0" i="0" u="none" strike="noStrike" cap="none" normalizeH="0" baseline="0" dirty="0" smtClean="0">
+                <a:ln>
+                  <a:noFill/>
+                </a:ln>
+                <a:solidFill>
+                  <a:schemeClr val="tx1"/>
+                </a:solidFill>
+                <a:effectLst/>
+                <a:latin typeface="Century Gothic" panose="020B0502020202020204" pitchFamily="34" charset="0"/>
+              </a:rPr>
+              <a:t>van IE-inhoud die je op of in verband met</a:t>
+            </a:r>
+          </a:p>
+          <a:p>
+            <a:pPr marL="0" marR="0" lvl="0" indent="0" algn="l" defTabSz="914400" rtl="0" eaLnBrk="0" fontAlgn="base" latinLnBrk="0" hangingPunct="0">
+              <a:lnSpc>
+                <a:spcPct val="100000"/>
+              </a:lnSpc>
+              <a:spcBef>
+                <a:spcPct val="0"/>
+              </a:spcBef>
+              <a:spcAft>
+                <a:spcPct val="0"/>
+              </a:spcAft>
+              <a:buClrTx/>
+              <a:buSzTx/>
+              <a:buNone/>
+              <a:tabLst/>
+            </a:pPr>
+            <a:r>
+              <a:rPr kumimoji="0" lang="nl-BE" altLang="nl-BE" b="0" i="0" u="none" strike="noStrike" cap="none" normalizeH="0" baseline="0" dirty="0" smtClean="0">
+                <a:ln>
+                  <a:noFill/>
+                </a:ln>
+                <a:solidFill>
+                  <a:schemeClr val="tx1"/>
+                </a:solidFill>
+                <a:effectLst/>
+                <a:latin typeface="Century Gothic" panose="020B0502020202020204" pitchFamily="34" charset="0"/>
+              </a:rPr>
+              <a:t> Facebook plaatst (IE-licentie). </a:t>
+            </a:r>
+          </a:p>
+          <a:p>
+            <a:pPr marL="0" marR="0" lvl="0" indent="0" algn="l" defTabSz="914400" rtl="0" eaLnBrk="0" fontAlgn="base" latinLnBrk="0" hangingPunct="0">
+              <a:lnSpc>
+                <a:spcPct val="100000"/>
+              </a:lnSpc>
+              <a:spcBef>
+                <a:spcPct val="0"/>
+              </a:spcBef>
+              <a:spcAft>
+                <a:spcPct val="0"/>
+              </a:spcAft>
+              <a:buClrTx/>
+              <a:buSzTx/>
+              <a:buNone/>
+              <a:tabLst/>
+            </a:pPr>
+            <a:endParaRPr kumimoji="0" lang="nl-BE" altLang="nl-BE" b="0" i="0" u="none" strike="noStrike" cap="none" normalizeH="0" baseline="0" dirty="0" smtClean="0">
+              <a:ln>
+                <a:noFill/>
+              </a:ln>
+              <a:solidFill>
+                <a:schemeClr val="tx1"/>
+              </a:solidFill>
+              <a:effectLst/>
+              <a:latin typeface="Century Gothic" panose="020B0502020202020204" pitchFamily="34" charset="0"/>
+            </a:endParaRPr>
+          </a:p>
+          <a:p>
+            <a:pPr eaLnBrk="0" fontAlgn="base" hangingPunct="0">
+              <a:lnSpc>
+                <a:spcPct val="100000"/>
+              </a:lnSpc>
+              <a:spcBef>
+                <a:spcPct val="0"/>
+              </a:spcBef>
+              <a:spcAft>
+                <a:spcPct val="0"/>
+              </a:spcAft>
+            </a:pPr>
+            <a:r>
+              <a:rPr kumimoji="0" lang="nl-BE" altLang="nl-BE" b="0" i="0" u="none" strike="noStrike" cap="none" normalizeH="0" baseline="0" dirty="0" smtClean="0">
+                <a:ln>
+                  <a:noFill/>
+                </a:ln>
+                <a:solidFill>
+                  <a:schemeClr val="tx1"/>
+                </a:solidFill>
+                <a:effectLst/>
+                <a:latin typeface="Century Gothic" panose="020B0502020202020204" pitchFamily="34" charset="0"/>
+              </a:rPr>
+              <a:t>Wanneer je </a:t>
+            </a:r>
+            <a:r>
+              <a:rPr kumimoji="0" lang="nl-BE" altLang="nl-BE" b="1" i="0" u="none" strike="noStrike" cap="none" normalizeH="0" baseline="0" dirty="0" smtClean="0">
+                <a:ln>
+                  <a:noFill/>
+                </a:ln>
+                <a:solidFill>
+                  <a:schemeClr val="tx1"/>
+                </a:solidFill>
+                <a:effectLst/>
+                <a:latin typeface="Century Gothic" panose="020B0502020202020204" pitchFamily="34" charset="0"/>
+              </a:rPr>
+              <a:t>IE-inhoud verwijdert</a:t>
+            </a:r>
+            <a:r>
+              <a:rPr kumimoji="0" lang="nl-BE" altLang="nl-BE" b="0" i="0" u="none" strike="noStrike" cap="none" normalizeH="0" baseline="0" dirty="0" smtClean="0">
+                <a:ln>
+                  <a:noFill/>
+                </a:ln>
+                <a:solidFill>
+                  <a:schemeClr val="tx1"/>
+                </a:solidFill>
+                <a:effectLst/>
+                <a:latin typeface="Century Gothic" panose="020B0502020202020204" pitchFamily="34" charset="0"/>
+              </a:rPr>
+              <a:t>, […] </a:t>
+            </a:r>
+            <a:r>
+              <a:rPr kumimoji="0" lang="nl-BE" altLang="nl-BE" b="1" i="0" u="none" strike="noStrike" cap="none" normalizeH="0" baseline="0" dirty="0" smtClean="0">
+                <a:ln>
+                  <a:noFill/>
+                </a:ln>
+                <a:solidFill>
+                  <a:schemeClr val="tx1"/>
+                </a:solidFill>
+                <a:effectLst/>
+                <a:latin typeface="Century Gothic" panose="020B0502020202020204" pitchFamily="34" charset="0"/>
+              </a:rPr>
+              <a:t>gedurende een redelijke </a:t>
+            </a:r>
+          </a:p>
+          <a:p>
+            <a:pPr marL="0" indent="0" eaLnBrk="0" fontAlgn="base" hangingPunct="0">
+              <a:lnSpc>
+                <a:spcPct val="100000"/>
+              </a:lnSpc>
+              <a:spcBef>
+                <a:spcPct val="0"/>
+              </a:spcBef>
+              <a:spcAft>
+                <a:spcPct val="0"/>
+              </a:spcAft>
+              <a:buNone/>
+            </a:pPr>
+            <a:r>
+              <a:rPr kumimoji="0" lang="nl-BE" altLang="nl-BE" b="1" i="0" u="none" strike="noStrike" cap="none" normalizeH="0" baseline="0" dirty="0" smtClean="0">
+                <a:ln>
+                  <a:noFill/>
+                </a:ln>
+                <a:solidFill>
+                  <a:schemeClr val="tx1"/>
+                </a:solidFill>
+                <a:effectLst/>
+                <a:latin typeface="Century Gothic" panose="020B0502020202020204" pitchFamily="34" charset="0"/>
+              </a:rPr>
+              <a:t>tijd mogelijk aanwezig blijft in </a:t>
+            </a:r>
+            <a:r>
+              <a:rPr kumimoji="0" lang="nl-BE" altLang="nl-BE" b="1" i="0" u="none" strike="noStrike" cap="none" normalizeH="0" baseline="0" dirty="0" err="1" smtClean="0">
+                <a:ln>
+                  <a:noFill/>
+                </a:ln>
+                <a:solidFill>
+                  <a:schemeClr val="tx1"/>
+                </a:solidFill>
+                <a:effectLst/>
+                <a:latin typeface="Century Gothic" panose="020B0502020202020204" pitchFamily="34" charset="0"/>
+              </a:rPr>
+              <a:t>back-ups</a:t>
+            </a:r>
+            <a:endParaRPr kumimoji="0" lang="nl-BE" altLang="nl-BE" b="0" i="0" u="none" strike="noStrike" cap="none" normalizeH="0" baseline="0" dirty="0" smtClean="0">
+              <a:ln>
+                <a:noFill/>
+              </a:ln>
+              <a:solidFill>
+                <a:schemeClr val="tx1"/>
+              </a:solidFill>
+              <a:effectLst/>
+              <a:latin typeface="Century Gothic" panose="020B0502020202020204" pitchFamily="34" charset="0"/>
+            </a:endParaRPr>
+          </a:p>
+        </p:txBody>
+      </p:sp>
+      <p:sp>
+        <p:nvSpPr>
+          <p:cNvPr id="5" name="Tekstvak 4"/>
+          <p:cNvSpPr txBox="1"/>
+          <p:nvPr/>
+        </p:nvSpPr>
+        <p:spPr>
+          <a:xfrm>
+            <a:off x="5717407" y="6416626"/>
+            <a:ext cx="6474593" cy="369332"/>
+          </a:xfrm>
+          <a:prstGeom prst="rect">
+            <a:avLst/>
+          </a:prstGeom>
+          <a:noFill/>
+        </p:spPr>
+        <p:txBody>
+          <a:bodyPr wrap="none" rtlCol="0">
+            <a:spAutoFit/>
+          </a:bodyPr>
+          <a:lstStyle/>
+          <a:p>
+            <a:r>
+              <a:rPr lang="nl-BE" dirty="0" smtClean="0"/>
+              <a:t>Bron: Facebook, </a:t>
+            </a:r>
+            <a:r>
+              <a:rPr lang="nl-BE" dirty="0"/>
+              <a:t>Verklaring van rechten en verantwoordelijkheden</a:t>
+            </a:r>
+          </a:p>
+        </p:txBody>
+      </p:sp>
+    </p:spTree>
+    <p:extLst>
+      <p:ext uri="{BB962C8B-B14F-4D97-AF65-F5344CB8AC3E}">
+        <p14:creationId xmlns:p14="http://schemas.microsoft.com/office/powerpoint/2010/main" val="750549737"/>
+      </p:ext>
+    </p:extLst>
+  </p:cSld>
+  <p:clrMapOvr>
+    <a:masterClrMapping/>
+  </p:clrMapOvr>
+</p:sld>
+</file>
+
+<file path=ppt/slides/slide3.xml><?xml version="1.0" encoding="utf-8"?>
+<p:sld xmlns:a="http://schemas.openxmlformats.org/drawingml/2006/main" xmlns:r="http://schemas.openxmlformats.org/officeDocument/2006/relationships" xmlns:p="http://schemas.openxmlformats.org/presentationml/2006/main">
+  <p:cSld>
+    <p:spTree>
+      <p:nvGrpSpPr>
+        <p:cNvPr id="1" name=""/>
+        <p:cNvGrpSpPr/>
+        <p:nvPr/>
+      </p:nvGrpSpPr>
+      <p:grpSpPr>
+        <a:xfrm>
+          <a:off x="0" y="0"/>
+          <a:ext cx="0" cy="0"/>
+          <a:chOff x="0" y="0"/>
+          <a:chExt cx="0" cy="0"/>
+        </a:xfrm>
+      </p:grpSpPr>
+      <p:sp>
+        <p:nvSpPr>
           <p:cNvPr id="2" name="Title 1"/>
           <p:cNvSpPr>
             <a:spLocks noGrp="1"/>
@@ -3752,7 +4360,7 @@
 </p:sld>
 </file>
 
-<file path=ppt/slides/slide3.xml><?xml version="1.0" encoding="utf-8"?>
+<file path=ppt/slides/slide4.xml><?xml version="1.0" encoding="utf-8"?>
 <p:sld xmlns:a="http://schemas.openxmlformats.org/drawingml/2006/main" xmlns:r="http://schemas.openxmlformats.org/officeDocument/2006/relationships" xmlns:p="http://schemas.openxmlformats.org/presentationml/2006/main">
   <p:cSld>
     <p:spTree>
@@ -3842,7 +4450,7 @@
 </p:sld>
 </file>
 
-<file path=ppt/slides/slide4.xml><?xml version="1.0" encoding="utf-8"?>
+<file path=ppt/slides/slide5.xml><?xml version="1.0" encoding="utf-8"?>
 <p:sld xmlns:a="http://schemas.openxmlformats.org/drawingml/2006/main" xmlns:r="http://schemas.openxmlformats.org/officeDocument/2006/relationships" xmlns:p="http://schemas.openxmlformats.org/presentationml/2006/main">
   <p:cSld>
     <p:spTree>
@@ -4493,7 +5101,7 @@
 </p:sld>
 </file>
 
-<file path=ppt/slides/slide5.xml><?xml version="1.0" encoding="utf-8"?>
+<file path=ppt/slides/slide6.xml><?xml version="1.0" encoding="utf-8"?>
 <p:sld xmlns:a="http://schemas.openxmlformats.org/drawingml/2006/main" xmlns:r="http://schemas.openxmlformats.org/officeDocument/2006/relationships" xmlns:p="http://schemas.openxmlformats.org/presentationml/2006/main">
   <p:cSld>
     <p:spTree>
